--- a/architect/Architect.pptx
+++ b/architect/Architect.pptx
@@ -1674,7 +1674,7 @@
         <p:spPr>
           <a:xfrm>
             <a:off x="2180880" y="1530360"/>
-            <a:ext cx="7846560" cy="3807720"/>
+            <a:ext cx="7845480" cy="3806640"/>
           </a:xfrm>
           <a:prstGeom prst="rect">
             <a:avLst/>
@@ -1727,7 +1727,7 @@
         <p:spPr>
           <a:xfrm>
             <a:off x="1928520" y="1430640"/>
-            <a:ext cx="8391240" cy="4028760"/>
+            <a:ext cx="8390160" cy="4027680"/>
           </a:xfrm>
           <a:prstGeom prst="rect">
             <a:avLst/>
@@ -1780,7 +1780,7 @@
         <p:spPr>
           <a:xfrm>
             <a:off x="2328840" y="1978560"/>
-            <a:ext cx="7590960" cy="2933280"/>
+            <a:ext cx="7589880" cy="2932200"/>
           </a:xfrm>
           <a:prstGeom prst="rect">
             <a:avLst/>
@@ -1820,6 +1820,29 @@
           <a:chExt cx="0" cy="0"/>
         </a:xfrm>
       </p:grpSpPr>
+      <p:pic>
+        <p:nvPicPr>
+          <p:cNvPr id="49" name="" descr=""/>
+          <p:cNvPicPr/>
+          <p:nvPr/>
+        </p:nvPicPr>
+        <p:blipFill>
+          <a:blip r:embed="rId1"/>
+          <a:stretch/>
+        </p:blipFill>
+        <p:spPr>
+          <a:xfrm>
+            <a:off x="1596600" y="954720"/>
+            <a:ext cx="9009720" cy="4256640"/>
+          </a:xfrm>
+          <a:prstGeom prst="rect">
+            <a:avLst/>
+          </a:prstGeom>
+          <a:ln>
+            <a:noFill/>
+          </a:ln>
+        </p:spPr>
+      </p:pic>
     </p:spTree>
   </p:cSld>
   <mc:AlternateContent>
@@ -1850,6 +1873,29 @@
           <a:chExt cx="0" cy="0"/>
         </a:xfrm>
       </p:grpSpPr>
+      <p:pic>
+        <p:nvPicPr>
+          <p:cNvPr id="50" name="" descr=""/>
+          <p:cNvPicPr/>
+          <p:nvPr/>
+        </p:nvPicPr>
+        <p:blipFill>
+          <a:blip r:embed="rId1"/>
+          <a:stretch/>
+        </p:blipFill>
+        <p:spPr>
+          <a:xfrm>
+            <a:off x="1709640" y="1292760"/>
+            <a:ext cx="8829000" cy="4304520"/>
+          </a:xfrm>
+          <a:prstGeom prst="rect">
+            <a:avLst/>
+          </a:prstGeom>
+          <a:ln>
+            <a:noFill/>
+          </a:ln>
+        </p:spPr>
+      </p:pic>
     </p:spTree>
   </p:cSld>
   <mc:AlternateContent>
@@ -1880,6 +1926,29 @@
           <a:chExt cx="0" cy="0"/>
         </a:xfrm>
       </p:grpSpPr>
+      <p:pic>
+        <p:nvPicPr>
+          <p:cNvPr id="51" name="" descr=""/>
+          <p:cNvPicPr/>
+          <p:nvPr/>
+        </p:nvPicPr>
+        <p:blipFill>
+          <a:blip r:embed="rId1"/>
+          <a:stretch/>
+        </p:blipFill>
+        <p:spPr>
+          <a:xfrm>
+            <a:off x="2199960" y="1297440"/>
+            <a:ext cx="7848360" cy="4295520"/>
+          </a:xfrm>
+          <a:prstGeom prst="rect">
+            <a:avLst/>
+          </a:prstGeom>
+          <a:ln>
+            <a:noFill/>
+          </a:ln>
+        </p:spPr>
+      </p:pic>
     </p:spTree>
   </p:cSld>
   <mc:AlternateContent>
@@ -2013,7 +2082,7 @@
         <p:spPr>
           <a:xfrm>
             <a:off x="822960" y="1280160"/>
-            <a:ext cx="10648440" cy="4021560"/>
+            <a:ext cx="10647360" cy="4020480"/>
           </a:xfrm>
           <a:prstGeom prst="rect">
             <a:avLst/>
@@ -2066,7 +2135,7 @@
         <p:spPr>
           <a:xfrm>
             <a:off x="2744640" y="26280"/>
-            <a:ext cx="6798600" cy="6856200"/>
+            <a:ext cx="6797520" cy="6855120"/>
           </a:xfrm>
           <a:prstGeom prst="rect">
             <a:avLst/>
@@ -2119,7 +2188,7 @@
         <p:spPr>
           <a:xfrm>
             <a:off x="2233440" y="1406880"/>
-            <a:ext cx="7780320" cy="4075200"/>
+            <a:ext cx="7779240" cy="4074120"/>
           </a:xfrm>
           <a:prstGeom prst="rect">
             <a:avLst/>
@@ -2172,7 +2241,7 @@
         <p:spPr>
           <a:xfrm>
             <a:off x="2261880" y="1545120"/>
-            <a:ext cx="7723440" cy="3799080"/>
+            <a:ext cx="7722360" cy="3798000"/>
           </a:xfrm>
           <a:prstGeom prst="rect">
             <a:avLst/>
@@ -2225,7 +2294,7 @@
         <p:spPr>
           <a:xfrm>
             <a:off x="2119320" y="1921320"/>
-            <a:ext cx="8009280" cy="3047040"/>
+            <a:ext cx="8008200" cy="3045960"/>
           </a:xfrm>
           <a:prstGeom prst="rect">
             <a:avLst/>
@@ -2278,7 +2347,7 @@
         <p:spPr>
           <a:xfrm>
             <a:off x="1634040" y="1125000"/>
-            <a:ext cx="8881200" cy="4452480"/>
+            <a:ext cx="8880120" cy="4451400"/>
           </a:xfrm>
           <a:prstGeom prst="rect">
             <a:avLst/>
@@ -2331,7 +2400,7 @@
         <p:spPr>
           <a:xfrm>
             <a:off x="2376360" y="1111680"/>
-            <a:ext cx="7495560" cy="4666680"/>
+            <a:ext cx="7494480" cy="4665600"/>
           </a:xfrm>
           <a:prstGeom prst="rect">
             <a:avLst/>
@@ -2384,7 +2453,7 @@
         <p:spPr>
           <a:xfrm>
             <a:off x="516960" y="914400"/>
-            <a:ext cx="11345040" cy="5120280"/>
+            <a:ext cx="11343960" cy="5119200"/>
           </a:xfrm>
           <a:prstGeom prst="rect">
             <a:avLst/>
